--- a/ppt 16-9/0408.是否是你.pptx
+++ b/ppt 16-9/0408.是否是你.pptx
@@ -5,7 +5,7 @@
     <p:sldMasterId id="2147483648" r:id="rId1"/>
   </p:sldMasterIdLst>
   <p:sldIdLst>
-    <p:sldId id="2881" r:id="rId2"/>
+    <p:sldId id="2883" r:id="rId2"/>
   </p:sldIdLst>
   <p:sldSz cx="12192000" cy="6858000"/>
   <p:notesSz cx="6858000" cy="9144000"/>
@@ -129,7 +129,7 @@
           <p:cNvPr id="2" name="标题 1">
             <a:extLst>
               <a:ext uri="{FF2B5EF4-FFF2-40B4-BE49-F238E27FC236}">
-                <a16:creationId xmlns:a16="http://schemas.microsoft.com/office/drawing/2014/main" id="{98709373-45E3-E888-5AA2-B5B6501CBA8A}"/>
+                <a16:creationId xmlns:a16="http://schemas.microsoft.com/office/drawing/2014/main" id="{F17458F2-2DAC-114B-76C9-C89180F7B29E}"/>
               </a:ext>
             </a:extLst>
           </p:cNvPr>
@@ -166,7 +166,7 @@
           <p:cNvPr id="3" name="副标题 2">
             <a:extLst>
               <a:ext uri="{FF2B5EF4-FFF2-40B4-BE49-F238E27FC236}">
-                <a16:creationId xmlns:a16="http://schemas.microsoft.com/office/drawing/2014/main" id="{EE5EBBE8-5C47-8FFB-1A83-0B15BEF4386E}"/>
+                <a16:creationId xmlns:a16="http://schemas.microsoft.com/office/drawing/2014/main" id="{D7F736B7-4400-D39A-CC6F-29A5F02FBCB5}"/>
               </a:ext>
             </a:extLst>
           </p:cNvPr>
@@ -236,7 +236,7 @@
           <p:cNvPr id="4" name="日期占位符 3">
             <a:extLst>
               <a:ext uri="{FF2B5EF4-FFF2-40B4-BE49-F238E27FC236}">
-                <a16:creationId xmlns:a16="http://schemas.microsoft.com/office/drawing/2014/main" id="{07F0ACFF-DA65-AE2E-E3D8-A1E7E29559B9}"/>
+                <a16:creationId xmlns:a16="http://schemas.microsoft.com/office/drawing/2014/main" id="{C6DF560F-CC93-C248-4CF9-36C58ED1C2C2}"/>
               </a:ext>
             </a:extLst>
           </p:cNvPr>
@@ -252,7 +252,7 @@
           <a:bodyPr/>
           <a:lstStyle/>
           <a:p>
-            <a:fld id="{AE05CBE3-3EDD-4B69-9A72-9161A795BC19}" type="datetimeFigureOut">
+            <a:fld id="{BF73FEC8-8C4A-4647-9BF5-E75741BF6C1E}" type="datetimeFigureOut">
               <a:rPr lang="zh-CN" altLang="en-US" smtClean="0"/>
               <a:t>2024/3/10</a:t>
             </a:fld>
@@ -265,7 +265,7 @@
           <p:cNvPr id="5" name="页脚占位符 4">
             <a:extLst>
               <a:ext uri="{FF2B5EF4-FFF2-40B4-BE49-F238E27FC236}">
-                <a16:creationId xmlns:a16="http://schemas.microsoft.com/office/drawing/2014/main" id="{4C643D09-658E-AC3D-676A-9034741D1A56}"/>
+                <a16:creationId xmlns:a16="http://schemas.microsoft.com/office/drawing/2014/main" id="{892F89E3-A8C5-DC6D-2D26-EF37CDE77C07}"/>
               </a:ext>
             </a:extLst>
           </p:cNvPr>
@@ -290,7 +290,7 @@
           <p:cNvPr id="6" name="灯片编号占位符 5">
             <a:extLst>
               <a:ext uri="{FF2B5EF4-FFF2-40B4-BE49-F238E27FC236}">
-                <a16:creationId xmlns:a16="http://schemas.microsoft.com/office/drawing/2014/main" id="{43C0E174-741B-EF54-ADA7-D45E5B33487B}"/>
+                <a16:creationId xmlns:a16="http://schemas.microsoft.com/office/drawing/2014/main" id="{61DF9CD0-390F-56F8-D310-F156D925A776}"/>
               </a:ext>
             </a:extLst>
           </p:cNvPr>
@@ -306,7 +306,7 @@
           <a:bodyPr/>
           <a:lstStyle/>
           <a:p>
-            <a:fld id="{470524B0-E4A0-4422-820E-8D481A34598F}" type="slidenum">
+            <a:fld id="{825E5051-CBDD-4BF5-9E31-724D71E11FB9}" type="slidenum">
               <a:rPr lang="zh-CN" altLang="en-US" smtClean="0"/>
               <a:t>‹#›</a:t>
             </a:fld>
@@ -317,7 +317,7 @@
     </p:spTree>
     <p:extLst>
       <p:ext uri="{BB962C8B-B14F-4D97-AF65-F5344CB8AC3E}">
-        <p14:creationId xmlns:p14="http://schemas.microsoft.com/office/powerpoint/2010/main" val="3054823426"/>
+        <p14:creationId xmlns:p14="http://schemas.microsoft.com/office/powerpoint/2010/main" val="2706201295"/>
       </p:ext>
     </p:extLst>
   </p:cSld>
@@ -349,7 +349,7 @@
           <p:cNvPr id="2" name="标题 1">
             <a:extLst>
               <a:ext uri="{FF2B5EF4-FFF2-40B4-BE49-F238E27FC236}">
-                <a16:creationId xmlns:a16="http://schemas.microsoft.com/office/drawing/2014/main" id="{AFF51E7F-D764-3C37-D9CD-9DC1CAC29EC7}"/>
+                <a16:creationId xmlns:a16="http://schemas.microsoft.com/office/drawing/2014/main" id="{47FE5D37-7621-9381-91BD-2C45B6CC838E}"/>
               </a:ext>
             </a:extLst>
           </p:cNvPr>
@@ -377,7 +377,7 @@
           <p:cNvPr id="3" name="竖排文字占位符 2">
             <a:extLst>
               <a:ext uri="{FF2B5EF4-FFF2-40B4-BE49-F238E27FC236}">
-                <a16:creationId xmlns:a16="http://schemas.microsoft.com/office/drawing/2014/main" id="{7A525239-C106-3493-AA17-8BD79B8157B0}"/>
+                <a16:creationId xmlns:a16="http://schemas.microsoft.com/office/drawing/2014/main" id="{BADCBCC6-A64B-9DD0-3BF2-4CE3534B440B}"/>
               </a:ext>
             </a:extLst>
           </p:cNvPr>
@@ -434,7 +434,7 @@
           <p:cNvPr id="4" name="日期占位符 3">
             <a:extLst>
               <a:ext uri="{FF2B5EF4-FFF2-40B4-BE49-F238E27FC236}">
-                <a16:creationId xmlns:a16="http://schemas.microsoft.com/office/drawing/2014/main" id="{D25540D6-C578-A638-3164-DC2FEF0C461E}"/>
+                <a16:creationId xmlns:a16="http://schemas.microsoft.com/office/drawing/2014/main" id="{3F531346-815B-7CA6-66A3-FF53E5CA8624}"/>
               </a:ext>
             </a:extLst>
           </p:cNvPr>
@@ -450,7 +450,7 @@
           <a:bodyPr/>
           <a:lstStyle/>
           <a:p>
-            <a:fld id="{AE05CBE3-3EDD-4B69-9A72-9161A795BC19}" type="datetimeFigureOut">
+            <a:fld id="{BF73FEC8-8C4A-4647-9BF5-E75741BF6C1E}" type="datetimeFigureOut">
               <a:rPr lang="zh-CN" altLang="en-US" smtClean="0"/>
               <a:t>2024/3/10</a:t>
             </a:fld>
@@ -463,7 +463,7 @@
           <p:cNvPr id="5" name="页脚占位符 4">
             <a:extLst>
               <a:ext uri="{FF2B5EF4-FFF2-40B4-BE49-F238E27FC236}">
-                <a16:creationId xmlns:a16="http://schemas.microsoft.com/office/drawing/2014/main" id="{76C67876-4DDA-A7D1-F36E-840113EF8EE8}"/>
+                <a16:creationId xmlns:a16="http://schemas.microsoft.com/office/drawing/2014/main" id="{FF2A6878-E117-EDC2-28DE-0592211B34C5}"/>
               </a:ext>
             </a:extLst>
           </p:cNvPr>
@@ -488,7 +488,7 @@
           <p:cNvPr id="6" name="灯片编号占位符 5">
             <a:extLst>
               <a:ext uri="{FF2B5EF4-FFF2-40B4-BE49-F238E27FC236}">
-                <a16:creationId xmlns:a16="http://schemas.microsoft.com/office/drawing/2014/main" id="{A40C0760-1089-6AF6-ADF8-397E625D8E1E}"/>
+                <a16:creationId xmlns:a16="http://schemas.microsoft.com/office/drawing/2014/main" id="{47D5BB8A-5E56-EC3F-5113-E464332D9FB4}"/>
               </a:ext>
             </a:extLst>
           </p:cNvPr>
@@ -504,7 +504,7 @@
           <a:bodyPr/>
           <a:lstStyle/>
           <a:p>
-            <a:fld id="{470524B0-E4A0-4422-820E-8D481A34598F}" type="slidenum">
+            <a:fld id="{825E5051-CBDD-4BF5-9E31-724D71E11FB9}" type="slidenum">
               <a:rPr lang="zh-CN" altLang="en-US" smtClean="0"/>
               <a:t>‹#›</a:t>
             </a:fld>
@@ -515,7 +515,7 @@
     </p:spTree>
     <p:extLst>
       <p:ext uri="{BB962C8B-B14F-4D97-AF65-F5344CB8AC3E}">
-        <p14:creationId xmlns:p14="http://schemas.microsoft.com/office/powerpoint/2010/main" val="885616237"/>
+        <p14:creationId xmlns:p14="http://schemas.microsoft.com/office/powerpoint/2010/main" val="1694954147"/>
       </p:ext>
     </p:extLst>
   </p:cSld>
@@ -547,7 +547,7 @@
           <p:cNvPr id="2" name="竖排标题 1">
             <a:extLst>
               <a:ext uri="{FF2B5EF4-FFF2-40B4-BE49-F238E27FC236}">
-                <a16:creationId xmlns:a16="http://schemas.microsoft.com/office/drawing/2014/main" id="{AE4E9C1C-8103-63FA-D522-48F2268B7BDF}"/>
+                <a16:creationId xmlns:a16="http://schemas.microsoft.com/office/drawing/2014/main" id="{E2CBEE48-ECCA-54C9-4BC7-00A32B956795}"/>
               </a:ext>
             </a:extLst>
           </p:cNvPr>
@@ -580,7 +580,7 @@
           <p:cNvPr id="3" name="竖排文字占位符 2">
             <a:extLst>
               <a:ext uri="{FF2B5EF4-FFF2-40B4-BE49-F238E27FC236}">
-                <a16:creationId xmlns:a16="http://schemas.microsoft.com/office/drawing/2014/main" id="{3DB21669-C22F-4325-99C4-38FCBD7B1D41}"/>
+                <a16:creationId xmlns:a16="http://schemas.microsoft.com/office/drawing/2014/main" id="{C661FE0E-9E0C-8271-6249-F3F003427BBD}"/>
               </a:ext>
             </a:extLst>
           </p:cNvPr>
@@ -642,7 +642,7 @@
           <p:cNvPr id="4" name="日期占位符 3">
             <a:extLst>
               <a:ext uri="{FF2B5EF4-FFF2-40B4-BE49-F238E27FC236}">
-                <a16:creationId xmlns:a16="http://schemas.microsoft.com/office/drawing/2014/main" id="{6CEAD4AF-5954-9222-B166-CAFED1DA908E}"/>
+                <a16:creationId xmlns:a16="http://schemas.microsoft.com/office/drawing/2014/main" id="{3A1FFE20-2831-D603-12D6-2309A1AD5A05}"/>
               </a:ext>
             </a:extLst>
           </p:cNvPr>
@@ -658,7 +658,7 @@
           <a:bodyPr/>
           <a:lstStyle/>
           <a:p>
-            <a:fld id="{AE05CBE3-3EDD-4B69-9A72-9161A795BC19}" type="datetimeFigureOut">
+            <a:fld id="{BF73FEC8-8C4A-4647-9BF5-E75741BF6C1E}" type="datetimeFigureOut">
               <a:rPr lang="zh-CN" altLang="en-US" smtClean="0"/>
               <a:t>2024/3/10</a:t>
             </a:fld>
@@ -671,7 +671,7 @@
           <p:cNvPr id="5" name="页脚占位符 4">
             <a:extLst>
               <a:ext uri="{FF2B5EF4-FFF2-40B4-BE49-F238E27FC236}">
-                <a16:creationId xmlns:a16="http://schemas.microsoft.com/office/drawing/2014/main" id="{A95C76C7-0EA8-8024-C39F-9FF827600B5E}"/>
+                <a16:creationId xmlns:a16="http://schemas.microsoft.com/office/drawing/2014/main" id="{73FCE1F9-F954-5903-35BB-1A3AA3D9D8C8}"/>
               </a:ext>
             </a:extLst>
           </p:cNvPr>
@@ -696,7 +696,7 @@
           <p:cNvPr id="6" name="灯片编号占位符 5">
             <a:extLst>
               <a:ext uri="{FF2B5EF4-FFF2-40B4-BE49-F238E27FC236}">
-                <a16:creationId xmlns:a16="http://schemas.microsoft.com/office/drawing/2014/main" id="{A60D02A6-5F25-4502-1EFD-8D03FB82D628}"/>
+                <a16:creationId xmlns:a16="http://schemas.microsoft.com/office/drawing/2014/main" id="{C468152F-38AB-F8AE-8A4E-7F0F1CB3EF42}"/>
               </a:ext>
             </a:extLst>
           </p:cNvPr>
@@ -712,7 +712,7 @@
           <a:bodyPr/>
           <a:lstStyle/>
           <a:p>
-            <a:fld id="{470524B0-E4A0-4422-820E-8D481A34598F}" type="slidenum">
+            <a:fld id="{825E5051-CBDD-4BF5-9E31-724D71E11FB9}" type="slidenum">
               <a:rPr lang="zh-CN" altLang="en-US" smtClean="0"/>
               <a:t>‹#›</a:t>
             </a:fld>
@@ -723,7 +723,7 @@
     </p:spTree>
     <p:extLst>
       <p:ext uri="{BB962C8B-B14F-4D97-AF65-F5344CB8AC3E}">
-        <p14:creationId xmlns:p14="http://schemas.microsoft.com/office/powerpoint/2010/main" val="3866483162"/>
+        <p14:creationId xmlns:p14="http://schemas.microsoft.com/office/powerpoint/2010/main" val="1308435805"/>
       </p:ext>
     </p:extLst>
   </p:cSld>
@@ -755,7 +755,7 @@
           <p:cNvPr id="2" name="标题 1">
             <a:extLst>
               <a:ext uri="{FF2B5EF4-FFF2-40B4-BE49-F238E27FC236}">
-                <a16:creationId xmlns:a16="http://schemas.microsoft.com/office/drawing/2014/main" id="{79A63CFA-1A02-FA7B-594B-B21A87757A38}"/>
+                <a16:creationId xmlns:a16="http://schemas.microsoft.com/office/drawing/2014/main" id="{A1A3634E-D616-9051-A9FE-1FF448A840A7}"/>
               </a:ext>
             </a:extLst>
           </p:cNvPr>
@@ -783,7 +783,7 @@
           <p:cNvPr id="3" name="内容占位符 2">
             <a:extLst>
               <a:ext uri="{FF2B5EF4-FFF2-40B4-BE49-F238E27FC236}">
-                <a16:creationId xmlns:a16="http://schemas.microsoft.com/office/drawing/2014/main" id="{DDAC7139-8D7B-FB2C-FDCD-A3571E9EFA7B}"/>
+                <a16:creationId xmlns:a16="http://schemas.microsoft.com/office/drawing/2014/main" id="{D59190C1-B661-89C7-0ADC-E04038B4E729}"/>
               </a:ext>
             </a:extLst>
           </p:cNvPr>
@@ -840,7 +840,7 @@
           <p:cNvPr id="4" name="日期占位符 3">
             <a:extLst>
               <a:ext uri="{FF2B5EF4-FFF2-40B4-BE49-F238E27FC236}">
-                <a16:creationId xmlns:a16="http://schemas.microsoft.com/office/drawing/2014/main" id="{B2734CF9-438F-F843-73EC-223A46B1A822}"/>
+                <a16:creationId xmlns:a16="http://schemas.microsoft.com/office/drawing/2014/main" id="{D9614CDB-7FC2-C1C0-352C-83AFA46DAFFB}"/>
               </a:ext>
             </a:extLst>
           </p:cNvPr>
@@ -856,7 +856,7 @@
           <a:bodyPr/>
           <a:lstStyle/>
           <a:p>
-            <a:fld id="{AE05CBE3-3EDD-4B69-9A72-9161A795BC19}" type="datetimeFigureOut">
+            <a:fld id="{BF73FEC8-8C4A-4647-9BF5-E75741BF6C1E}" type="datetimeFigureOut">
               <a:rPr lang="zh-CN" altLang="en-US" smtClean="0"/>
               <a:t>2024/3/10</a:t>
             </a:fld>
@@ -869,7 +869,7 @@
           <p:cNvPr id="5" name="页脚占位符 4">
             <a:extLst>
               <a:ext uri="{FF2B5EF4-FFF2-40B4-BE49-F238E27FC236}">
-                <a16:creationId xmlns:a16="http://schemas.microsoft.com/office/drawing/2014/main" id="{7B4250F9-BBAB-2441-E362-B84519436FAF}"/>
+                <a16:creationId xmlns:a16="http://schemas.microsoft.com/office/drawing/2014/main" id="{4A615B31-5745-F35E-1578-A6DC93C49365}"/>
               </a:ext>
             </a:extLst>
           </p:cNvPr>
@@ -894,7 +894,7 @@
           <p:cNvPr id="6" name="灯片编号占位符 5">
             <a:extLst>
               <a:ext uri="{FF2B5EF4-FFF2-40B4-BE49-F238E27FC236}">
-                <a16:creationId xmlns:a16="http://schemas.microsoft.com/office/drawing/2014/main" id="{7BC3AE12-57D2-2FE1-D1F1-A4CE58A5CBA9}"/>
+                <a16:creationId xmlns:a16="http://schemas.microsoft.com/office/drawing/2014/main" id="{DD20B51B-8F98-95B3-3D0E-1314F2114120}"/>
               </a:ext>
             </a:extLst>
           </p:cNvPr>
@@ -910,7 +910,7 @@
           <a:bodyPr/>
           <a:lstStyle/>
           <a:p>
-            <a:fld id="{470524B0-E4A0-4422-820E-8D481A34598F}" type="slidenum">
+            <a:fld id="{825E5051-CBDD-4BF5-9E31-724D71E11FB9}" type="slidenum">
               <a:rPr lang="zh-CN" altLang="en-US" smtClean="0"/>
               <a:t>‹#›</a:t>
             </a:fld>
@@ -921,7 +921,7 @@
     </p:spTree>
     <p:extLst>
       <p:ext uri="{BB962C8B-B14F-4D97-AF65-F5344CB8AC3E}">
-        <p14:creationId xmlns:p14="http://schemas.microsoft.com/office/powerpoint/2010/main" val="25448994"/>
+        <p14:creationId xmlns:p14="http://schemas.microsoft.com/office/powerpoint/2010/main" val="3230413850"/>
       </p:ext>
     </p:extLst>
   </p:cSld>
@@ -953,7 +953,7 @@
           <p:cNvPr id="2" name="标题 1">
             <a:extLst>
               <a:ext uri="{FF2B5EF4-FFF2-40B4-BE49-F238E27FC236}">
-                <a16:creationId xmlns:a16="http://schemas.microsoft.com/office/drawing/2014/main" id="{DA608C63-EAB2-5830-6F4A-4F63B48A48E4}"/>
+                <a16:creationId xmlns:a16="http://schemas.microsoft.com/office/drawing/2014/main" id="{7C73E405-DBA9-3A87-DF64-4D7B7A987004}"/>
               </a:ext>
             </a:extLst>
           </p:cNvPr>
@@ -990,7 +990,7 @@
           <p:cNvPr id="3" name="文本占位符 2">
             <a:extLst>
               <a:ext uri="{FF2B5EF4-FFF2-40B4-BE49-F238E27FC236}">
-                <a16:creationId xmlns:a16="http://schemas.microsoft.com/office/drawing/2014/main" id="{42DB3184-14B1-7F4D-42A9-61BC34D967FB}"/>
+                <a16:creationId xmlns:a16="http://schemas.microsoft.com/office/drawing/2014/main" id="{2162D9EF-7F34-D525-7F27-451E84E62C9A}"/>
               </a:ext>
             </a:extLst>
           </p:cNvPr>
@@ -1115,7 +1115,7 @@
           <p:cNvPr id="4" name="日期占位符 3">
             <a:extLst>
               <a:ext uri="{FF2B5EF4-FFF2-40B4-BE49-F238E27FC236}">
-                <a16:creationId xmlns:a16="http://schemas.microsoft.com/office/drawing/2014/main" id="{C5D6C077-EC32-B12A-0DBD-1634836F84D2}"/>
+                <a16:creationId xmlns:a16="http://schemas.microsoft.com/office/drawing/2014/main" id="{E6D8EFFE-611A-85D5-4B05-ADC3B0D81397}"/>
               </a:ext>
             </a:extLst>
           </p:cNvPr>
@@ -1131,7 +1131,7 @@
           <a:bodyPr/>
           <a:lstStyle/>
           <a:p>
-            <a:fld id="{AE05CBE3-3EDD-4B69-9A72-9161A795BC19}" type="datetimeFigureOut">
+            <a:fld id="{BF73FEC8-8C4A-4647-9BF5-E75741BF6C1E}" type="datetimeFigureOut">
               <a:rPr lang="zh-CN" altLang="en-US" smtClean="0"/>
               <a:t>2024/3/10</a:t>
             </a:fld>
@@ -1144,7 +1144,7 @@
           <p:cNvPr id="5" name="页脚占位符 4">
             <a:extLst>
               <a:ext uri="{FF2B5EF4-FFF2-40B4-BE49-F238E27FC236}">
-                <a16:creationId xmlns:a16="http://schemas.microsoft.com/office/drawing/2014/main" id="{8FFDF97A-F0A5-DA52-1030-BC818EE57345}"/>
+                <a16:creationId xmlns:a16="http://schemas.microsoft.com/office/drawing/2014/main" id="{7D1DA511-F1D1-96D0-5EB7-0AD3239D9A0A}"/>
               </a:ext>
             </a:extLst>
           </p:cNvPr>
@@ -1169,7 +1169,7 @@
           <p:cNvPr id="6" name="灯片编号占位符 5">
             <a:extLst>
               <a:ext uri="{FF2B5EF4-FFF2-40B4-BE49-F238E27FC236}">
-                <a16:creationId xmlns:a16="http://schemas.microsoft.com/office/drawing/2014/main" id="{865504ED-BB92-D28D-8266-7D24C38A3542}"/>
+                <a16:creationId xmlns:a16="http://schemas.microsoft.com/office/drawing/2014/main" id="{6DEEF401-9E7E-21AE-3BE8-64D51D82EB87}"/>
               </a:ext>
             </a:extLst>
           </p:cNvPr>
@@ -1185,7 +1185,7 @@
           <a:bodyPr/>
           <a:lstStyle/>
           <a:p>
-            <a:fld id="{470524B0-E4A0-4422-820E-8D481A34598F}" type="slidenum">
+            <a:fld id="{825E5051-CBDD-4BF5-9E31-724D71E11FB9}" type="slidenum">
               <a:rPr lang="zh-CN" altLang="en-US" smtClean="0"/>
               <a:t>‹#›</a:t>
             </a:fld>
@@ -1196,7 +1196,7 @@
     </p:spTree>
     <p:extLst>
       <p:ext uri="{BB962C8B-B14F-4D97-AF65-F5344CB8AC3E}">
-        <p14:creationId xmlns:p14="http://schemas.microsoft.com/office/powerpoint/2010/main" val="3734766704"/>
+        <p14:creationId xmlns:p14="http://schemas.microsoft.com/office/powerpoint/2010/main" val="3142210710"/>
       </p:ext>
     </p:extLst>
   </p:cSld>
@@ -1228,7 +1228,7 @@
           <p:cNvPr id="2" name="标题 1">
             <a:extLst>
               <a:ext uri="{FF2B5EF4-FFF2-40B4-BE49-F238E27FC236}">
-                <a16:creationId xmlns:a16="http://schemas.microsoft.com/office/drawing/2014/main" id="{5722BEB6-734F-0285-BE86-6B6B6EF0C101}"/>
+                <a16:creationId xmlns:a16="http://schemas.microsoft.com/office/drawing/2014/main" id="{B5FD1991-B418-F1FF-70E8-EE1FE2A8D837}"/>
               </a:ext>
             </a:extLst>
           </p:cNvPr>
@@ -1256,7 +1256,7 @@
           <p:cNvPr id="3" name="内容占位符 2">
             <a:extLst>
               <a:ext uri="{FF2B5EF4-FFF2-40B4-BE49-F238E27FC236}">
-                <a16:creationId xmlns:a16="http://schemas.microsoft.com/office/drawing/2014/main" id="{3A9C13C9-3213-0375-8D6F-611C711A1E36}"/>
+                <a16:creationId xmlns:a16="http://schemas.microsoft.com/office/drawing/2014/main" id="{BF050D9B-53D2-043B-42B0-D03CD522BC8E}"/>
               </a:ext>
             </a:extLst>
           </p:cNvPr>
@@ -1318,7 +1318,7 @@
           <p:cNvPr id="4" name="内容占位符 3">
             <a:extLst>
               <a:ext uri="{FF2B5EF4-FFF2-40B4-BE49-F238E27FC236}">
-                <a16:creationId xmlns:a16="http://schemas.microsoft.com/office/drawing/2014/main" id="{FDCAC082-616C-34E0-44CA-B307E5E4550E}"/>
+                <a16:creationId xmlns:a16="http://schemas.microsoft.com/office/drawing/2014/main" id="{497FC368-9D23-6A1D-48EA-D4F92C965896}"/>
               </a:ext>
             </a:extLst>
           </p:cNvPr>
@@ -1380,7 +1380,7 @@
           <p:cNvPr id="5" name="日期占位符 4">
             <a:extLst>
               <a:ext uri="{FF2B5EF4-FFF2-40B4-BE49-F238E27FC236}">
-                <a16:creationId xmlns:a16="http://schemas.microsoft.com/office/drawing/2014/main" id="{70C54EBD-E111-9539-B707-BC92EB556B77}"/>
+                <a16:creationId xmlns:a16="http://schemas.microsoft.com/office/drawing/2014/main" id="{86CDBA8C-12D2-BFE9-2D42-207BA4594345}"/>
               </a:ext>
             </a:extLst>
           </p:cNvPr>
@@ -1396,7 +1396,7 @@
           <a:bodyPr/>
           <a:lstStyle/>
           <a:p>
-            <a:fld id="{AE05CBE3-3EDD-4B69-9A72-9161A795BC19}" type="datetimeFigureOut">
+            <a:fld id="{BF73FEC8-8C4A-4647-9BF5-E75741BF6C1E}" type="datetimeFigureOut">
               <a:rPr lang="zh-CN" altLang="en-US" smtClean="0"/>
               <a:t>2024/3/10</a:t>
             </a:fld>
@@ -1409,7 +1409,7 @@
           <p:cNvPr id="6" name="页脚占位符 5">
             <a:extLst>
               <a:ext uri="{FF2B5EF4-FFF2-40B4-BE49-F238E27FC236}">
-                <a16:creationId xmlns:a16="http://schemas.microsoft.com/office/drawing/2014/main" id="{0E3036A4-7D07-B26C-2AA2-A63E1BAF8081}"/>
+                <a16:creationId xmlns:a16="http://schemas.microsoft.com/office/drawing/2014/main" id="{734F42A6-35A4-54B8-137C-22937792F590}"/>
               </a:ext>
             </a:extLst>
           </p:cNvPr>
@@ -1434,7 +1434,7 @@
           <p:cNvPr id="7" name="灯片编号占位符 6">
             <a:extLst>
               <a:ext uri="{FF2B5EF4-FFF2-40B4-BE49-F238E27FC236}">
-                <a16:creationId xmlns:a16="http://schemas.microsoft.com/office/drawing/2014/main" id="{B0C6F9D7-8397-9A57-84E4-7AE87077D9D4}"/>
+                <a16:creationId xmlns:a16="http://schemas.microsoft.com/office/drawing/2014/main" id="{42667332-2135-105A-190C-6C8005DAE303}"/>
               </a:ext>
             </a:extLst>
           </p:cNvPr>
@@ -1450,7 +1450,7 @@
           <a:bodyPr/>
           <a:lstStyle/>
           <a:p>
-            <a:fld id="{470524B0-E4A0-4422-820E-8D481A34598F}" type="slidenum">
+            <a:fld id="{825E5051-CBDD-4BF5-9E31-724D71E11FB9}" type="slidenum">
               <a:rPr lang="zh-CN" altLang="en-US" smtClean="0"/>
               <a:t>‹#›</a:t>
             </a:fld>
@@ -1461,7 +1461,7 @@
     </p:spTree>
     <p:extLst>
       <p:ext uri="{BB962C8B-B14F-4D97-AF65-F5344CB8AC3E}">
-        <p14:creationId xmlns:p14="http://schemas.microsoft.com/office/powerpoint/2010/main" val="475877932"/>
+        <p14:creationId xmlns:p14="http://schemas.microsoft.com/office/powerpoint/2010/main" val="4016050601"/>
       </p:ext>
     </p:extLst>
   </p:cSld>
@@ -1493,7 +1493,7 @@
           <p:cNvPr id="2" name="标题 1">
             <a:extLst>
               <a:ext uri="{FF2B5EF4-FFF2-40B4-BE49-F238E27FC236}">
-                <a16:creationId xmlns:a16="http://schemas.microsoft.com/office/drawing/2014/main" id="{D066DF1F-96ED-95AA-4450-2DB70FBF98E8}"/>
+                <a16:creationId xmlns:a16="http://schemas.microsoft.com/office/drawing/2014/main" id="{0E4181CD-727E-89CA-BAE4-B8FF48F068DC}"/>
               </a:ext>
             </a:extLst>
           </p:cNvPr>
@@ -1526,7 +1526,7 @@
           <p:cNvPr id="3" name="文本占位符 2">
             <a:extLst>
               <a:ext uri="{FF2B5EF4-FFF2-40B4-BE49-F238E27FC236}">
-                <a16:creationId xmlns:a16="http://schemas.microsoft.com/office/drawing/2014/main" id="{9709B533-B16C-BAD3-757C-B35F4D30E4F5}"/>
+                <a16:creationId xmlns:a16="http://schemas.microsoft.com/office/drawing/2014/main" id="{3BFB790B-40AC-AADC-9A1C-659E3AE18147}"/>
               </a:ext>
             </a:extLst>
           </p:cNvPr>
@@ -1597,7 +1597,7 @@
           <p:cNvPr id="4" name="内容占位符 3">
             <a:extLst>
               <a:ext uri="{FF2B5EF4-FFF2-40B4-BE49-F238E27FC236}">
-                <a16:creationId xmlns:a16="http://schemas.microsoft.com/office/drawing/2014/main" id="{80F40C9F-1C2B-C48B-06FF-3BFAFE7597C9}"/>
+                <a16:creationId xmlns:a16="http://schemas.microsoft.com/office/drawing/2014/main" id="{2FA5B939-5CDA-8075-FA13-8F2D9B0B5B49}"/>
               </a:ext>
             </a:extLst>
           </p:cNvPr>
@@ -1659,7 +1659,7 @@
           <p:cNvPr id="5" name="文本占位符 4">
             <a:extLst>
               <a:ext uri="{FF2B5EF4-FFF2-40B4-BE49-F238E27FC236}">
-                <a16:creationId xmlns:a16="http://schemas.microsoft.com/office/drawing/2014/main" id="{3263DECF-B0C2-A57C-57AE-D8136320C73B}"/>
+                <a16:creationId xmlns:a16="http://schemas.microsoft.com/office/drawing/2014/main" id="{D53F52E8-25F9-E2E6-93FD-A4206321C323}"/>
               </a:ext>
             </a:extLst>
           </p:cNvPr>
@@ -1730,7 +1730,7 @@
           <p:cNvPr id="6" name="内容占位符 5">
             <a:extLst>
               <a:ext uri="{FF2B5EF4-FFF2-40B4-BE49-F238E27FC236}">
-                <a16:creationId xmlns:a16="http://schemas.microsoft.com/office/drawing/2014/main" id="{3F083BA8-D99E-17FC-D58B-E6F14F2A4877}"/>
+                <a16:creationId xmlns:a16="http://schemas.microsoft.com/office/drawing/2014/main" id="{5AAB2404-B707-37A3-3E9F-D66C36A83BC0}"/>
               </a:ext>
             </a:extLst>
           </p:cNvPr>
@@ -1792,7 +1792,7 @@
           <p:cNvPr id="7" name="日期占位符 6">
             <a:extLst>
               <a:ext uri="{FF2B5EF4-FFF2-40B4-BE49-F238E27FC236}">
-                <a16:creationId xmlns:a16="http://schemas.microsoft.com/office/drawing/2014/main" id="{E2C6C5C9-02EE-A38B-8468-642E90CEECBD}"/>
+                <a16:creationId xmlns:a16="http://schemas.microsoft.com/office/drawing/2014/main" id="{67DC1D40-D73F-0D54-B4FF-020DB3CDFB3F}"/>
               </a:ext>
             </a:extLst>
           </p:cNvPr>
@@ -1808,7 +1808,7 @@
           <a:bodyPr/>
           <a:lstStyle/>
           <a:p>
-            <a:fld id="{AE05CBE3-3EDD-4B69-9A72-9161A795BC19}" type="datetimeFigureOut">
+            <a:fld id="{BF73FEC8-8C4A-4647-9BF5-E75741BF6C1E}" type="datetimeFigureOut">
               <a:rPr lang="zh-CN" altLang="en-US" smtClean="0"/>
               <a:t>2024/3/10</a:t>
             </a:fld>
@@ -1821,7 +1821,7 @@
           <p:cNvPr id="8" name="页脚占位符 7">
             <a:extLst>
               <a:ext uri="{FF2B5EF4-FFF2-40B4-BE49-F238E27FC236}">
-                <a16:creationId xmlns:a16="http://schemas.microsoft.com/office/drawing/2014/main" id="{33AC92D5-F7BC-A07A-470B-F37DA95490DE}"/>
+                <a16:creationId xmlns:a16="http://schemas.microsoft.com/office/drawing/2014/main" id="{C76524CE-22AF-8991-9465-16610ED3CC51}"/>
               </a:ext>
             </a:extLst>
           </p:cNvPr>
@@ -1846,7 +1846,7 @@
           <p:cNvPr id="9" name="灯片编号占位符 8">
             <a:extLst>
               <a:ext uri="{FF2B5EF4-FFF2-40B4-BE49-F238E27FC236}">
-                <a16:creationId xmlns:a16="http://schemas.microsoft.com/office/drawing/2014/main" id="{BC04B017-77EC-50C8-D26A-FA88CCA7B91C}"/>
+                <a16:creationId xmlns:a16="http://schemas.microsoft.com/office/drawing/2014/main" id="{6D45E215-3D71-F6D1-3129-3678B46DDF02}"/>
               </a:ext>
             </a:extLst>
           </p:cNvPr>
@@ -1862,7 +1862,7 @@
           <a:bodyPr/>
           <a:lstStyle/>
           <a:p>
-            <a:fld id="{470524B0-E4A0-4422-820E-8D481A34598F}" type="slidenum">
+            <a:fld id="{825E5051-CBDD-4BF5-9E31-724D71E11FB9}" type="slidenum">
               <a:rPr lang="zh-CN" altLang="en-US" smtClean="0"/>
               <a:t>‹#›</a:t>
             </a:fld>
@@ -1873,7 +1873,7 @@
     </p:spTree>
     <p:extLst>
       <p:ext uri="{BB962C8B-B14F-4D97-AF65-F5344CB8AC3E}">
-        <p14:creationId xmlns:p14="http://schemas.microsoft.com/office/powerpoint/2010/main" val="60433982"/>
+        <p14:creationId xmlns:p14="http://schemas.microsoft.com/office/powerpoint/2010/main" val="3613664714"/>
       </p:ext>
     </p:extLst>
   </p:cSld>
@@ -1905,7 +1905,7 @@
           <p:cNvPr id="2" name="标题 1">
             <a:extLst>
               <a:ext uri="{FF2B5EF4-FFF2-40B4-BE49-F238E27FC236}">
-                <a16:creationId xmlns:a16="http://schemas.microsoft.com/office/drawing/2014/main" id="{AA2924A0-62A4-AF05-C6FD-3801AA353DA3}"/>
+                <a16:creationId xmlns:a16="http://schemas.microsoft.com/office/drawing/2014/main" id="{1A24C35D-4639-1828-ADE2-193B13C25AEB}"/>
               </a:ext>
             </a:extLst>
           </p:cNvPr>
@@ -1933,7 +1933,7 @@
           <p:cNvPr id="3" name="日期占位符 2">
             <a:extLst>
               <a:ext uri="{FF2B5EF4-FFF2-40B4-BE49-F238E27FC236}">
-                <a16:creationId xmlns:a16="http://schemas.microsoft.com/office/drawing/2014/main" id="{3E5D2835-4515-E0E6-A87B-E82AA7D6D5F8}"/>
+                <a16:creationId xmlns:a16="http://schemas.microsoft.com/office/drawing/2014/main" id="{6F914391-BD0D-3B2E-E34F-DA10E5D30E0C}"/>
               </a:ext>
             </a:extLst>
           </p:cNvPr>
@@ -1949,7 +1949,7 @@
           <a:bodyPr/>
           <a:lstStyle/>
           <a:p>
-            <a:fld id="{AE05CBE3-3EDD-4B69-9A72-9161A795BC19}" type="datetimeFigureOut">
+            <a:fld id="{BF73FEC8-8C4A-4647-9BF5-E75741BF6C1E}" type="datetimeFigureOut">
               <a:rPr lang="zh-CN" altLang="en-US" smtClean="0"/>
               <a:t>2024/3/10</a:t>
             </a:fld>
@@ -1962,7 +1962,7 @@
           <p:cNvPr id="4" name="页脚占位符 3">
             <a:extLst>
               <a:ext uri="{FF2B5EF4-FFF2-40B4-BE49-F238E27FC236}">
-                <a16:creationId xmlns:a16="http://schemas.microsoft.com/office/drawing/2014/main" id="{D3FABA3D-ED8A-EFFF-86F5-A30554D223DC}"/>
+                <a16:creationId xmlns:a16="http://schemas.microsoft.com/office/drawing/2014/main" id="{7503F7C8-473A-C729-4896-482BB468B76D}"/>
               </a:ext>
             </a:extLst>
           </p:cNvPr>
@@ -1987,7 +1987,7 @@
           <p:cNvPr id="5" name="灯片编号占位符 4">
             <a:extLst>
               <a:ext uri="{FF2B5EF4-FFF2-40B4-BE49-F238E27FC236}">
-                <a16:creationId xmlns:a16="http://schemas.microsoft.com/office/drawing/2014/main" id="{5B1B70AB-D169-4A7A-B1DE-8E7C08ABC311}"/>
+                <a16:creationId xmlns:a16="http://schemas.microsoft.com/office/drawing/2014/main" id="{FE13C5D2-2086-F62C-3B05-E0C7872709AB}"/>
               </a:ext>
             </a:extLst>
           </p:cNvPr>
@@ -2003,7 +2003,7 @@
           <a:bodyPr/>
           <a:lstStyle/>
           <a:p>
-            <a:fld id="{470524B0-E4A0-4422-820E-8D481A34598F}" type="slidenum">
+            <a:fld id="{825E5051-CBDD-4BF5-9E31-724D71E11FB9}" type="slidenum">
               <a:rPr lang="zh-CN" altLang="en-US" smtClean="0"/>
               <a:t>‹#›</a:t>
             </a:fld>
@@ -2014,7 +2014,7 @@
     </p:spTree>
     <p:extLst>
       <p:ext uri="{BB962C8B-B14F-4D97-AF65-F5344CB8AC3E}">
-        <p14:creationId xmlns:p14="http://schemas.microsoft.com/office/powerpoint/2010/main" val="1072417848"/>
+        <p14:creationId xmlns:p14="http://schemas.microsoft.com/office/powerpoint/2010/main" val="2197706700"/>
       </p:ext>
     </p:extLst>
   </p:cSld>
@@ -2046,7 +2046,7 @@
           <p:cNvPr id="2" name="日期占位符 1">
             <a:extLst>
               <a:ext uri="{FF2B5EF4-FFF2-40B4-BE49-F238E27FC236}">
-                <a16:creationId xmlns:a16="http://schemas.microsoft.com/office/drawing/2014/main" id="{57ABFB68-7AFD-0C4F-3A1B-5EE8A0F965F8}"/>
+                <a16:creationId xmlns:a16="http://schemas.microsoft.com/office/drawing/2014/main" id="{97DEDCF4-0112-E541-1C31-16E5439F86B6}"/>
               </a:ext>
             </a:extLst>
           </p:cNvPr>
@@ -2062,7 +2062,7 @@
           <a:bodyPr/>
           <a:lstStyle/>
           <a:p>
-            <a:fld id="{AE05CBE3-3EDD-4B69-9A72-9161A795BC19}" type="datetimeFigureOut">
+            <a:fld id="{BF73FEC8-8C4A-4647-9BF5-E75741BF6C1E}" type="datetimeFigureOut">
               <a:rPr lang="zh-CN" altLang="en-US" smtClean="0"/>
               <a:t>2024/3/10</a:t>
             </a:fld>
@@ -2075,7 +2075,7 @@
           <p:cNvPr id="3" name="页脚占位符 2">
             <a:extLst>
               <a:ext uri="{FF2B5EF4-FFF2-40B4-BE49-F238E27FC236}">
-                <a16:creationId xmlns:a16="http://schemas.microsoft.com/office/drawing/2014/main" id="{A4D808BA-5A6B-9454-9F29-B6CF4F3F1D42}"/>
+                <a16:creationId xmlns:a16="http://schemas.microsoft.com/office/drawing/2014/main" id="{6DADDAC2-1E23-5A0F-A846-C4BE08BA038C}"/>
               </a:ext>
             </a:extLst>
           </p:cNvPr>
@@ -2100,7 +2100,7 @@
           <p:cNvPr id="4" name="灯片编号占位符 3">
             <a:extLst>
               <a:ext uri="{FF2B5EF4-FFF2-40B4-BE49-F238E27FC236}">
-                <a16:creationId xmlns:a16="http://schemas.microsoft.com/office/drawing/2014/main" id="{1693DFF8-8803-4F51-DCB4-EE5E93C8CC90}"/>
+                <a16:creationId xmlns:a16="http://schemas.microsoft.com/office/drawing/2014/main" id="{5CE1496C-DAEB-8FB7-ED27-F7281F067243}"/>
               </a:ext>
             </a:extLst>
           </p:cNvPr>
@@ -2116,7 +2116,7 @@
           <a:bodyPr/>
           <a:lstStyle/>
           <a:p>
-            <a:fld id="{470524B0-E4A0-4422-820E-8D481A34598F}" type="slidenum">
+            <a:fld id="{825E5051-CBDD-4BF5-9E31-724D71E11FB9}" type="slidenum">
               <a:rPr lang="zh-CN" altLang="en-US" smtClean="0"/>
               <a:t>‹#›</a:t>
             </a:fld>
@@ -2127,7 +2127,7 @@
     </p:spTree>
     <p:extLst>
       <p:ext uri="{BB962C8B-B14F-4D97-AF65-F5344CB8AC3E}">
-        <p14:creationId xmlns:p14="http://schemas.microsoft.com/office/powerpoint/2010/main" val="171737886"/>
+        <p14:creationId xmlns:p14="http://schemas.microsoft.com/office/powerpoint/2010/main" val="2582851648"/>
       </p:ext>
     </p:extLst>
   </p:cSld>
@@ -2159,7 +2159,7 @@
           <p:cNvPr id="2" name="标题 1">
             <a:extLst>
               <a:ext uri="{FF2B5EF4-FFF2-40B4-BE49-F238E27FC236}">
-                <a16:creationId xmlns:a16="http://schemas.microsoft.com/office/drawing/2014/main" id="{0A716233-6A35-B38A-1CAB-AABEB04ACFB7}"/>
+                <a16:creationId xmlns:a16="http://schemas.microsoft.com/office/drawing/2014/main" id="{D13CB6BC-09D2-E2D2-4621-DA33F11030E0}"/>
               </a:ext>
             </a:extLst>
           </p:cNvPr>
@@ -2196,7 +2196,7 @@
           <p:cNvPr id="3" name="内容占位符 2">
             <a:extLst>
               <a:ext uri="{FF2B5EF4-FFF2-40B4-BE49-F238E27FC236}">
-                <a16:creationId xmlns:a16="http://schemas.microsoft.com/office/drawing/2014/main" id="{A0CF3A09-55FC-6825-DA6D-025706F67751}"/>
+                <a16:creationId xmlns:a16="http://schemas.microsoft.com/office/drawing/2014/main" id="{3010112F-61AC-2720-8111-95CA16E0267A}"/>
               </a:ext>
             </a:extLst>
           </p:cNvPr>
@@ -2286,7 +2286,7 @@
           <p:cNvPr id="4" name="文本占位符 3">
             <a:extLst>
               <a:ext uri="{FF2B5EF4-FFF2-40B4-BE49-F238E27FC236}">
-                <a16:creationId xmlns:a16="http://schemas.microsoft.com/office/drawing/2014/main" id="{F9841644-05FF-E365-D630-34CB6C83609C}"/>
+                <a16:creationId xmlns:a16="http://schemas.microsoft.com/office/drawing/2014/main" id="{62A7A728-71FA-7DBB-D40B-402DAC2A5906}"/>
               </a:ext>
             </a:extLst>
           </p:cNvPr>
@@ -2357,7 +2357,7 @@
           <p:cNvPr id="5" name="日期占位符 4">
             <a:extLst>
               <a:ext uri="{FF2B5EF4-FFF2-40B4-BE49-F238E27FC236}">
-                <a16:creationId xmlns:a16="http://schemas.microsoft.com/office/drawing/2014/main" id="{39608025-16B0-DC64-9038-00AAD3A109F5}"/>
+                <a16:creationId xmlns:a16="http://schemas.microsoft.com/office/drawing/2014/main" id="{9CAF7230-C117-AF05-59B1-242EF93AB120}"/>
               </a:ext>
             </a:extLst>
           </p:cNvPr>
@@ -2373,7 +2373,7 @@
           <a:bodyPr/>
           <a:lstStyle/>
           <a:p>
-            <a:fld id="{AE05CBE3-3EDD-4B69-9A72-9161A795BC19}" type="datetimeFigureOut">
+            <a:fld id="{BF73FEC8-8C4A-4647-9BF5-E75741BF6C1E}" type="datetimeFigureOut">
               <a:rPr lang="zh-CN" altLang="en-US" smtClean="0"/>
               <a:t>2024/3/10</a:t>
             </a:fld>
@@ -2386,7 +2386,7 @@
           <p:cNvPr id="6" name="页脚占位符 5">
             <a:extLst>
               <a:ext uri="{FF2B5EF4-FFF2-40B4-BE49-F238E27FC236}">
-                <a16:creationId xmlns:a16="http://schemas.microsoft.com/office/drawing/2014/main" id="{63E14539-5FFA-9B27-E34B-8A986BA3A12A}"/>
+                <a16:creationId xmlns:a16="http://schemas.microsoft.com/office/drawing/2014/main" id="{ECE1762A-39D1-ECEB-42D4-3E158F032ED6}"/>
               </a:ext>
             </a:extLst>
           </p:cNvPr>
@@ -2411,7 +2411,7 @@
           <p:cNvPr id="7" name="灯片编号占位符 6">
             <a:extLst>
               <a:ext uri="{FF2B5EF4-FFF2-40B4-BE49-F238E27FC236}">
-                <a16:creationId xmlns:a16="http://schemas.microsoft.com/office/drawing/2014/main" id="{E0E425FD-92BB-8BC7-362B-D81698A909AE}"/>
+                <a16:creationId xmlns:a16="http://schemas.microsoft.com/office/drawing/2014/main" id="{32F487CC-86B8-AAEF-BC8D-D7E010B00700}"/>
               </a:ext>
             </a:extLst>
           </p:cNvPr>
@@ -2427,7 +2427,7 @@
           <a:bodyPr/>
           <a:lstStyle/>
           <a:p>
-            <a:fld id="{470524B0-E4A0-4422-820E-8D481A34598F}" type="slidenum">
+            <a:fld id="{825E5051-CBDD-4BF5-9E31-724D71E11FB9}" type="slidenum">
               <a:rPr lang="zh-CN" altLang="en-US" smtClean="0"/>
               <a:t>‹#›</a:t>
             </a:fld>
@@ -2438,7 +2438,7 @@
     </p:spTree>
     <p:extLst>
       <p:ext uri="{BB962C8B-B14F-4D97-AF65-F5344CB8AC3E}">
-        <p14:creationId xmlns:p14="http://schemas.microsoft.com/office/powerpoint/2010/main" val="1380146334"/>
+        <p14:creationId xmlns:p14="http://schemas.microsoft.com/office/powerpoint/2010/main" val="844461794"/>
       </p:ext>
     </p:extLst>
   </p:cSld>
@@ -2470,7 +2470,7 @@
           <p:cNvPr id="2" name="标题 1">
             <a:extLst>
               <a:ext uri="{FF2B5EF4-FFF2-40B4-BE49-F238E27FC236}">
-                <a16:creationId xmlns:a16="http://schemas.microsoft.com/office/drawing/2014/main" id="{5C0585FC-5C0E-9173-5A73-0E8533C8278D}"/>
+                <a16:creationId xmlns:a16="http://schemas.microsoft.com/office/drawing/2014/main" id="{04DE3D78-E4AA-E0F0-A96A-839F29AC75C6}"/>
               </a:ext>
             </a:extLst>
           </p:cNvPr>
@@ -2507,7 +2507,7 @@
           <p:cNvPr id="3" name="图片占位符 2">
             <a:extLst>
               <a:ext uri="{FF2B5EF4-FFF2-40B4-BE49-F238E27FC236}">
-                <a16:creationId xmlns:a16="http://schemas.microsoft.com/office/drawing/2014/main" id="{9B2BEFDD-E00E-5484-408D-13FE6A70501B}"/>
+                <a16:creationId xmlns:a16="http://schemas.microsoft.com/office/drawing/2014/main" id="{85F768F1-36A1-5454-63F6-5F3D745D20F3}"/>
               </a:ext>
             </a:extLst>
           </p:cNvPr>
@@ -2574,7 +2574,7 @@
           <p:cNvPr id="4" name="文本占位符 3">
             <a:extLst>
               <a:ext uri="{FF2B5EF4-FFF2-40B4-BE49-F238E27FC236}">
-                <a16:creationId xmlns:a16="http://schemas.microsoft.com/office/drawing/2014/main" id="{F110EB8D-DFBA-CAA5-5A50-2FD73C3FDC28}"/>
+                <a16:creationId xmlns:a16="http://schemas.microsoft.com/office/drawing/2014/main" id="{68459B2F-3E5E-4AED-E9F2-BBA879EE5D2F}"/>
               </a:ext>
             </a:extLst>
           </p:cNvPr>
@@ -2645,7 +2645,7 @@
           <p:cNvPr id="5" name="日期占位符 4">
             <a:extLst>
               <a:ext uri="{FF2B5EF4-FFF2-40B4-BE49-F238E27FC236}">
-                <a16:creationId xmlns:a16="http://schemas.microsoft.com/office/drawing/2014/main" id="{AF826B1C-26AD-ED07-636B-98368F49B4AD}"/>
+                <a16:creationId xmlns:a16="http://schemas.microsoft.com/office/drawing/2014/main" id="{60D1CD9A-B64E-F6BD-BB42-CD9C15BC8025}"/>
               </a:ext>
             </a:extLst>
           </p:cNvPr>
@@ -2661,7 +2661,7 @@
           <a:bodyPr/>
           <a:lstStyle/>
           <a:p>
-            <a:fld id="{AE05CBE3-3EDD-4B69-9A72-9161A795BC19}" type="datetimeFigureOut">
+            <a:fld id="{BF73FEC8-8C4A-4647-9BF5-E75741BF6C1E}" type="datetimeFigureOut">
               <a:rPr lang="zh-CN" altLang="en-US" smtClean="0"/>
               <a:t>2024/3/10</a:t>
             </a:fld>
@@ -2674,7 +2674,7 @@
           <p:cNvPr id="6" name="页脚占位符 5">
             <a:extLst>
               <a:ext uri="{FF2B5EF4-FFF2-40B4-BE49-F238E27FC236}">
-                <a16:creationId xmlns:a16="http://schemas.microsoft.com/office/drawing/2014/main" id="{BC6686F1-2806-33C7-6AB0-8903E338BFE7}"/>
+                <a16:creationId xmlns:a16="http://schemas.microsoft.com/office/drawing/2014/main" id="{431DFB3C-C131-F0E8-05F9-DE4E4B35F98D}"/>
               </a:ext>
             </a:extLst>
           </p:cNvPr>
@@ -2699,7 +2699,7 @@
           <p:cNvPr id="7" name="灯片编号占位符 6">
             <a:extLst>
               <a:ext uri="{FF2B5EF4-FFF2-40B4-BE49-F238E27FC236}">
-                <a16:creationId xmlns:a16="http://schemas.microsoft.com/office/drawing/2014/main" id="{D248E26F-33D9-FBB7-7A1F-EC5530C06AFF}"/>
+                <a16:creationId xmlns:a16="http://schemas.microsoft.com/office/drawing/2014/main" id="{46B35F6D-9838-CDAB-7F86-EFB1F52A2057}"/>
               </a:ext>
             </a:extLst>
           </p:cNvPr>
@@ -2715,7 +2715,7 @@
           <a:bodyPr/>
           <a:lstStyle/>
           <a:p>
-            <a:fld id="{470524B0-E4A0-4422-820E-8D481A34598F}" type="slidenum">
+            <a:fld id="{825E5051-CBDD-4BF5-9E31-724D71E11FB9}" type="slidenum">
               <a:rPr lang="zh-CN" altLang="en-US" smtClean="0"/>
               <a:t>‹#›</a:t>
             </a:fld>
@@ -2726,7 +2726,7 @@
     </p:spTree>
     <p:extLst>
       <p:ext uri="{BB962C8B-B14F-4D97-AF65-F5344CB8AC3E}">
-        <p14:creationId xmlns:p14="http://schemas.microsoft.com/office/powerpoint/2010/main" val="1207622024"/>
+        <p14:creationId xmlns:p14="http://schemas.microsoft.com/office/powerpoint/2010/main" val="2441353679"/>
       </p:ext>
     </p:extLst>
   </p:cSld>
@@ -2763,7 +2763,7 @@
           <p:cNvPr id="2" name="标题占位符 1">
             <a:extLst>
               <a:ext uri="{FF2B5EF4-FFF2-40B4-BE49-F238E27FC236}">
-                <a16:creationId xmlns:a16="http://schemas.microsoft.com/office/drawing/2014/main" id="{2D43DB11-6611-3FB3-5352-BA12F6299661}"/>
+                <a16:creationId xmlns:a16="http://schemas.microsoft.com/office/drawing/2014/main" id="{9AD5BB13-A4A0-EF0D-46D9-9A390100ADCF}"/>
               </a:ext>
             </a:extLst>
           </p:cNvPr>
@@ -2801,7 +2801,7 @@
           <p:cNvPr id="3" name="文本占位符 2">
             <a:extLst>
               <a:ext uri="{FF2B5EF4-FFF2-40B4-BE49-F238E27FC236}">
-                <a16:creationId xmlns:a16="http://schemas.microsoft.com/office/drawing/2014/main" id="{F3331B21-52DA-7D37-5EE4-2FFE4306FDF6}"/>
+                <a16:creationId xmlns:a16="http://schemas.microsoft.com/office/drawing/2014/main" id="{3F80EFEB-F657-BF5A-5D63-4751E66B5E75}"/>
               </a:ext>
             </a:extLst>
           </p:cNvPr>
@@ -2868,7 +2868,7 @@
           <p:cNvPr id="4" name="日期占位符 3">
             <a:extLst>
               <a:ext uri="{FF2B5EF4-FFF2-40B4-BE49-F238E27FC236}">
-                <a16:creationId xmlns:a16="http://schemas.microsoft.com/office/drawing/2014/main" id="{9BFC5809-B9FF-E978-D77A-156CE7663837}"/>
+                <a16:creationId xmlns:a16="http://schemas.microsoft.com/office/drawing/2014/main" id="{3E01F3A2-71C0-C163-5A8C-90B1FC9B3EB4}"/>
               </a:ext>
             </a:extLst>
           </p:cNvPr>
@@ -2902,7 +2902,7 @@
             </a:lvl1pPr>
           </a:lstStyle>
           <a:p>
-            <a:fld id="{AE05CBE3-3EDD-4B69-9A72-9161A795BC19}" type="datetimeFigureOut">
+            <a:fld id="{BF73FEC8-8C4A-4647-9BF5-E75741BF6C1E}" type="datetimeFigureOut">
               <a:rPr lang="zh-CN" altLang="en-US" smtClean="0"/>
               <a:t>2024/3/10</a:t>
             </a:fld>
@@ -2915,7 +2915,7 @@
           <p:cNvPr id="5" name="页脚占位符 4">
             <a:extLst>
               <a:ext uri="{FF2B5EF4-FFF2-40B4-BE49-F238E27FC236}">
-                <a16:creationId xmlns:a16="http://schemas.microsoft.com/office/drawing/2014/main" id="{629783DD-7061-BC05-A28F-562927376B0B}"/>
+                <a16:creationId xmlns:a16="http://schemas.microsoft.com/office/drawing/2014/main" id="{A5B4B6E0-037D-3289-ECAC-1EDDA342DD72}"/>
               </a:ext>
             </a:extLst>
           </p:cNvPr>
@@ -2958,7 +2958,7 @@
           <p:cNvPr id="6" name="灯片编号占位符 5">
             <a:extLst>
               <a:ext uri="{FF2B5EF4-FFF2-40B4-BE49-F238E27FC236}">
-                <a16:creationId xmlns:a16="http://schemas.microsoft.com/office/drawing/2014/main" id="{63937182-EA50-3079-58B2-26458CF07635}"/>
+                <a16:creationId xmlns:a16="http://schemas.microsoft.com/office/drawing/2014/main" id="{2528F084-5822-BE97-5B77-B541D77E3DC6}"/>
               </a:ext>
             </a:extLst>
           </p:cNvPr>
@@ -2992,7 +2992,7 @@
             </a:lvl1pPr>
           </a:lstStyle>
           <a:p>
-            <a:fld id="{470524B0-E4A0-4422-820E-8D481A34598F}" type="slidenum">
+            <a:fld id="{825E5051-CBDD-4BF5-9E31-724D71E11FB9}" type="slidenum">
               <a:rPr lang="zh-CN" altLang="en-US" smtClean="0"/>
               <a:t>‹#›</a:t>
             </a:fld>
@@ -3003,7 +3003,7 @@
     </p:spTree>
     <p:extLst>
       <p:ext uri="{BB962C8B-B14F-4D97-AF65-F5344CB8AC3E}">
-        <p14:creationId xmlns:p14="http://schemas.microsoft.com/office/powerpoint/2010/main" val="3897929411"/>
+        <p14:creationId xmlns:p14="http://schemas.microsoft.com/office/powerpoint/2010/main" val="2457067714"/>
       </p:ext>
     </p:extLst>
   </p:cSld>
@@ -3323,7 +3323,7 @@
       </p:grpSpPr>
       <p:pic>
         <p:nvPicPr>
-          <p:cNvPr id="417794" name="Picture 2" descr="407"/>
+          <p:cNvPr id="418818" name="Picture 2" descr="408"/>
           <p:cNvPicPr>
             <a:picLocks noChangeAspect="1" noChangeArrowheads="1"/>
           </p:cNvPicPr>
@@ -3344,8 +3344,8 @@
         </p:blipFill>
         <p:spPr bwMode="auto">
           <a:xfrm>
-            <a:off x="1524000" y="1"/>
-            <a:ext cx="9144000" cy="6238875"/>
+            <a:off x="1524000" y="0"/>
+            <a:ext cx="9144000" cy="6858000"/>
           </a:xfrm>
           <a:prstGeom prst="rect">
             <a:avLst/>
@@ -3375,158 +3375,11 @@
           </a:extLst>
         </p:spPr>
       </p:pic>
-      <p:pic>
-        <p:nvPicPr>
-          <p:cNvPr id="418819" name="Picture 3" descr="407-2"/>
-          <p:cNvPicPr>
-            <a:picLocks noChangeAspect="1" noChangeArrowheads="1"/>
-          </p:cNvPicPr>
-          <p:nvPr/>
-        </p:nvPicPr>
-        <p:blipFill>
-          <a:blip r:embed="rId3">
-            <a:extLst>
-              <a:ext uri="{28A0092B-C50C-407E-A947-70E740481C1C}">
-                <a14:useLocalDpi xmlns:a14="http://schemas.microsoft.com/office/drawing/2010/main" val="0"/>
-              </a:ext>
-            </a:extLst>
-          </a:blip>
-          <a:srcRect/>
-          <a:stretch>
-            <a:fillRect/>
-          </a:stretch>
-        </p:blipFill>
-        <p:spPr bwMode="auto">
-          <a:xfrm>
-            <a:off x="1524000" y="1"/>
-            <a:ext cx="9144000" cy="6308725"/>
-          </a:xfrm>
-          <a:prstGeom prst="rect">
-            <a:avLst/>
-          </a:prstGeom>
-          <a:noFill/>
-          <a:ln>
-            <a:noFill/>
-          </a:ln>
-          <a:effectLst/>
-          <a:extLst>
-            <a:ext uri="{909E8E84-426E-40DD-AFC4-6F175D3DCCD1}">
-              <a14:hiddenFill xmlns:a14="http://schemas.microsoft.com/office/drawing/2010/main">
-                <a:solidFill>
-                  <a:srgbClr val="FFFFFF"/>
-                </a:solidFill>
-              </a14:hiddenFill>
-            </a:ext>
-            <a:ext uri="{91240B29-F687-4F45-9708-019B960494DF}">
-              <a14:hiddenLine xmlns:a14="http://schemas.microsoft.com/office/drawing/2010/main" w="9525">
-                <a:solidFill>
-                  <a:srgbClr val="000000"/>
-                </a:solidFill>
-                <a:miter lim="800000"/>
-                <a:headEnd/>
-                <a:tailEnd/>
-              </a14:hiddenLine>
-            </a:ext>
-            <a:ext uri="{AF507438-7753-43E0-B8FC-AC1667EBCBE1}">
-              <a14:hiddenEffects xmlns:a14="http://schemas.microsoft.com/office/drawing/2010/main">
-                <a:effectLst>
-                  <a:outerShdw dist="35921" dir="2700000" algn="ctr" rotWithShape="0">
-                    <a:srgbClr val="808080"/>
-                  </a:outerShdw>
-                </a:effectLst>
-              </a14:hiddenEffects>
-            </a:ext>
-          </a:extLst>
-        </p:spPr>
-      </p:pic>
     </p:spTree>
   </p:cSld>
   <p:clrMapOvr>
     <a:masterClrMapping/>
   </p:clrMapOvr>
-  <p:timing>
-    <p:tnLst>
-      <p:par>
-        <p:cTn id="1" dur="indefinite" restart="never" nodeType="tmRoot">
-          <p:childTnLst>
-            <p:seq concurrent="1" nextAc="seek">
-              <p:cTn id="2" dur="indefinite" nodeType="mainSeq">
-                <p:childTnLst>
-                  <p:par>
-                    <p:cTn id="3" fill="hold" nodeType="clickPar">
-                      <p:stCondLst>
-                        <p:cond delay="indefinite"/>
-                      </p:stCondLst>
-                      <p:childTnLst>
-                        <p:par>
-                          <p:cTn id="4" fill="hold" nodeType="withGroup">
-                            <p:stCondLst>
-                              <p:cond delay="0"/>
-                            </p:stCondLst>
-                            <p:childTnLst>
-                              <p:par>
-                                <p:cTn id="5" presetID="10" presetClass="entr" presetSubtype="0" fill="hold" nodeType="clickEffect">
-                                  <p:stCondLst>
-                                    <p:cond delay="0"/>
-                                  </p:stCondLst>
-                                  <p:childTnLst>
-                                    <p:set>
-                                      <p:cBhvr>
-                                        <p:cTn id="6" dur="1" fill="hold">
-                                          <p:stCondLst>
-                                            <p:cond delay="0"/>
-                                          </p:stCondLst>
-                                        </p:cTn>
-                                        <p:tgtEl>
-                                          <p:spTgt spid="418819"/>
-                                        </p:tgtEl>
-                                        <p:attrNameLst>
-                                          <p:attrName>style.visibility</p:attrName>
-                                        </p:attrNameLst>
-                                      </p:cBhvr>
-                                      <p:to>
-                                        <p:strVal val="visible"/>
-                                      </p:to>
-                                    </p:set>
-                                    <p:animEffect transition="in" filter="fade">
-                                      <p:cBhvr>
-                                        <p:cTn id="7" dur="500"/>
-                                        <p:tgtEl>
-                                          <p:spTgt spid="418819"/>
-                                        </p:tgtEl>
-                                      </p:cBhvr>
-                                    </p:animEffect>
-                                  </p:childTnLst>
-                                </p:cTn>
-                              </p:par>
-                            </p:childTnLst>
-                          </p:cTn>
-                        </p:par>
-                      </p:childTnLst>
-                    </p:cTn>
-                  </p:par>
-                </p:childTnLst>
-              </p:cTn>
-              <p:prevCondLst>
-                <p:cond evt="onPrev" delay="0">
-                  <p:tgtEl>
-                    <p:sldTgt/>
-                  </p:tgtEl>
-                </p:cond>
-              </p:prevCondLst>
-              <p:nextCondLst>
-                <p:cond evt="onNext" delay="0">
-                  <p:tgtEl>
-                    <p:sldTgt/>
-                  </p:tgtEl>
-                </p:cond>
-              </p:nextCondLst>
-            </p:seq>
-          </p:childTnLst>
-        </p:cTn>
-      </p:par>
-    </p:tnLst>
-  </p:timing>
 </p:sld>
 </file>
 
